--- a/Synopsis_ppt_template.pptx
+++ b/Synopsis_ppt_template.pptx
@@ -14,9 +14,10 @@
     <p:sldId id="260" r:id="rId7"/>
     <p:sldId id="261" r:id="rId8"/>
     <p:sldId id="262" r:id="rId9"/>
-    <p:sldId id="266" r:id="rId10"/>
-    <p:sldId id="267" r:id="rId11"/>
-    <p:sldId id="259" r:id="rId12"/>
+    <p:sldId id="276" r:id="rId10"/>
+    <p:sldId id="266" r:id="rId11"/>
+    <p:sldId id="267" r:id="rId12"/>
+    <p:sldId id="259" r:id="rId13"/>
   </p:sldIdLst>
   <p:sldSz cx="9144000" cy="6858000" type="screen4x3"/>
   <p:notesSz cx="6858000" cy="9144000"/>
@@ -4552,10 +4553,146 @@
           <a:lstStyle/>
           <a:p>
             <a:r>
-              <a:rPr lang="" altLang="en-US" dirty="0"/>
+              <a:rPr lang="en-US" altLang="en-US" dirty="0"/>
               <a:t>MedLife</a:t>
             </a:r>
-            <a:endParaRPr lang="" altLang="en-US" dirty="0"/>
+            <a:endParaRPr lang="en-US" altLang="en-US" dirty="0"/>
+          </a:p>
+        </p:txBody>
+      </p:sp>
+    </p:spTree>
+  </p:cSld>
+  <p:clrMapOvr>
+    <a:masterClrMapping/>
+  </p:clrMapOvr>
+  <p:timing>
+    <p:tnLst>
+      <p:par>
+        <p:cTn id="1" dur="indefinite" restart="never" nodeType="tmRoot"/>
+      </p:par>
+    </p:tnLst>
+  </p:timing>
+</p:sld>
+</file>
+
+<file path=ppt/slides/slide10.xml><?xml version="1.0" encoding="utf-8"?>
+<p:sld xmlns:a="http://schemas.openxmlformats.org/drawingml/2006/main" xmlns:r="http://schemas.openxmlformats.org/officeDocument/2006/relationships" xmlns:p="http://schemas.openxmlformats.org/presentationml/2006/main">
+  <p:cSld>
+    <p:spTree>
+      <p:nvGrpSpPr>
+        <p:cNvPr id="1" name=""/>
+        <p:cNvGrpSpPr/>
+        <p:nvPr/>
+      </p:nvGrpSpPr>
+      <p:grpSpPr>
+        <a:xfrm>
+          <a:off x="0" y="0"/>
+          <a:ext cx="0" cy="0"/>
+          <a:chOff x="0" y="0"/>
+          <a:chExt cx="0" cy="0"/>
+        </a:xfrm>
+      </p:grpSpPr>
+      <p:sp>
+        <p:nvSpPr>
+          <p:cNvPr id="2" name="Title 1"/>
+          <p:cNvSpPr>
+            <a:spLocks noGrp="1"/>
+          </p:cNvSpPr>
+          <p:nvPr>
+            <p:ph type="title"/>
+          </p:nvPr>
+        </p:nvSpPr>
+        <p:spPr/>
+        <p:txBody>
+          <a:bodyPr>
+            <a:normAutofit/>
+          </a:bodyPr>
+          <a:lstStyle/>
+          <a:p>
+            <a:r>
+              <a:rPr lang="en-US" dirty="0" smtClean="0"/>
+              <a:t>Questions??</a:t>
+            </a:r>
+            <a:endParaRPr lang="en-US" dirty="0"/>
+          </a:p>
+        </p:txBody>
+      </p:sp>
+      <p:sp>
+        <p:nvSpPr>
+          <p:cNvPr id="5" name="Text Placeholder 4"/>
+          <p:cNvSpPr>
+            <a:spLocks noGrp="1"/>
+          </p:cNvSpPr>
+          <p:nvPr>
+            <p:ph type="body" idx="1"/>
+          </p:nvPr>
+        </p:nvSpPr>
+        <p:spPr/>
+        <p:txBody>
+          <a:bodyPr>
+            <a:normAutofit/>
+          </a:bodyPr>
+          <a:lstStyle/>
+          <a:p>
+            <a:r>
+              <a:rPr lang="en-US" sz="5400" b="1" dirty="0" smtClean="0">
+                <a:latin typeface="+mj-lt"/>
+              </a:rPr>
+              <a:t>Thank You!</a:t>
+            </a:r>
+            <a:endParaRPr lang="en-US" sz="5400" b="1" dirty="0">
+              <a:latin typeface="+mj-lt"/>
+            </a:endParaRPr>
+          </a:p>
+        </p:txBody>
+      </p:sp>
+      <p:sp>
+        <p:nvSpPr>
+          <p:cNvPr id="4" name="Slide Number Placeholder 3"/>
+          <p:cNvSpPr>
+            <a:spLocks noGrp="1"/>
+          </p:cNvSpPr>
+          <p:nvPr>
+            <p:ph type="sldNum" sz="quarter" idx="12"/>
+          </p:nvPr>
+        </p:nvSpPr>
+        <p:spPr/>
+        <p:txBody>
+          <a:bodyPr/>
+          <a:lstStyle/>
+          <a:p>
+            <a:fld id="{CBBC6685-0B53-4B4E-AE18-5FC646DDFD4A}" type="slidenum">
+              <a:rPr lang="en-US" smtClean="0"/>
+            </a:fld>
+            <a:endParaRPr lang="en-US"/>
+          </a:p>
+        </p:txBody>
+      </p:sp>
+      <p:sp>
+        <p:nvSpPr>
+          <p:cNvPr id="6" name="Footer Placeholder 4"/>
+          <p:cNvSpPr>
+            <a:spLocks noGrp="1"/>
+          </p:cNvSpPr>
+          <p:nvPr>
+            <p:ph type="ftr" sz="quarter" idx="11"/>
+          </p:nvPr>
+        </p:nvSpPr>
+        <p:spPr>
+          <a:xfrm>
+            <a:off x="914400" y="6172200"/>
+            <a:ext cx="3962400" cy="457200"/>
+          </a:xfrm>
+        </p:spPr>
+        <p:txBody>
+          <a:bodyPr/>
+          <a:lstStyle/>
+          <a:p>
+            <a:r>
+              <a:rPr lang="en-US" dirty="0" smtClean="0"/>
+              <a:t>PGDAC, CDAC Mumbai 		Project Title                                  </a:t>
+            </a:r>
+            <a:endParaRPr lang="en-US" dirty="0"/>
           </a:p>
         </p:txBody>
       </p:sp>
@@ -4658,38 +4795,46 @@
           <a:lstStyle/>
           <a:p>
             <a:r>
-              <a:rPr lang="" altLang="en-IN"/>
+              <a:rPr lang="en-US" altLang="en-IN"/>
               <a:t>Tushar More</a:t>
             </a:r>
-            <a:endParaRPr lang="" altLang="en-IN"/>
-          </a:p>
-          <a:p>
-            <a:r>
-              <a:rPr lang="" altLang="en-IN"/>
-              <a:t>Laukik</a:t>
-            </a:r>
-            <a:endParaRPr lang="" altLang="en-IN"/>
-          </a:p>
-          <a:p>
-            <a:r>
-              <a:rPr lang="" altLang="en-IN"/>
+            <a:endParaRPr lang="en-US" altLang="en-IN"/>
+          </a:p>
+          <a:p>
+            <a:r>
+              <a:rPr lang="en-US" altLang="en-IN"/>
+              <a:t>Laukik </a:t>
+            </a:r>
+            <a:r>
+              <a:rPr lang="" altLang="en-US"/>
+              <a:t>Chaure</a:t>
+            </a:r>
+            <a:endParaRPr lang="en-US" altLang="en-IN"/>
+          </a:p>
+          <a:p>
+            <a:r>
+              <a:rPr lang="en-US" altLang="en-IN"/>
               <a:t>Akansha Pathak</a:t>
             </a:r>
-            <a:endParaRPr lang="" altLang="en-IN"/>
-          </a:p>
-          <a:p>
-            <a:r>
-              <a:rPr lang="" altLang="en-IN"/>
+            <a:endParaRPr lang="en-US" altLang="en-IN"/>
+          </a:p>
+          <a:p>
+            <a:r>
+              <a:rPr lang="en-US" altLang="en-IN"/>
               <a:t>Sayali Rane</a:t>
             </a:r>
-            <a:endParaRPr lang="" altLang="en-IN"/>
-          </a:p>
-          <a:p>
-            <a:r>
-              <a:rPr lang="" altLang="en-IN"/>
-              <a:t>Prathamesh</a:t>
-            </a:r>
-            <a:endParaRPr lang="" altLang="en-IN"/>
+            <a:endParaRPr lang="en-US" altLang="en-IN"/>
+          </a:p>
+          <a:p>
+            <a:r>
+              <a:rPr lang="en-US" altLang="en-IN"/>
+              <a:t>Prathamesh </a:t>
+            </a:r>
+            <a:r>
+              <a:rPr lang="" altLang="en-US"/>
+              <a:t>Kesare</a:t>
+            </a:r>
+            <a:endParaRPr lang="" altLang="en-US"/>
           </a:p>
         </p:txBody>
       </p:sp>
@@ -5128,15 +5273,30 @@
           <a:lstStyle/>
           <a:p>
             <a:r>
+              <a:rPr lang="en-US" altLang="en-US" dirty="0" smtClean="0"/>
+              <a:t> This will save you from the burden of waiting in long queues, riding to a medical store or visiting a doctor.</a:t>
+            </a:r>
+            <a:endParaRPr lang="en-US" altLang="en-US" dirty="0" smtClean="0"/>
+          </a:p>
+          <a:p>
+            <a:r>
+              <a:rPr lang="en-US" altLang="en-US" dirty="0" smtClean="0"/>
+              <a:t>You can order online medicines and wellness products, book online doctor consultation and </a:t>
+            </a:r>
+            <a:endParaRPr lang="en-US" altLang="en-US" dirty="0" smtClean="0"/>
+          </a:p>
+          <a:p>
+            <a:r>
               <a:rPr lang="" altLang="en-US" dirty="0" smtClean="0"/>
-              <a:t> This will save you from the burden of waiting in long queues, riding to a medical store or visiting a doctor.</a:t>
-            </a:r>
-            <a:endParaRPr lang="" altLang="en-US" dirty="0" smtClean="0"/>
-          </a:p>
-          <a:p>
+              <a:t>you can book </a:t>
+            </a:r>
+            <a:r>
+              <a:rPr lang="en-US" altLang="en-US" dirty="0" smtClean="0"/>
+              <a:t>lab tests too for which sample is collected at your home/office</a:t>
+            </a:r>
             <a:r>
               <a:rPr lang="" altLang="en-US" dirty="0" smtClean="0"/>
-              <a:t>You can order online medicines and wellness products, book online doctor consultation and lab tests too for which sample is collected at your home/office</a:t>
+              <a:t>. it will save your time appoitment will be pre-booked. </a:t>
             </a:r>
             <a:endParaRPr lang="" altLang="en-US" dirty="0" smtClean="0"/>
           </a:p>
@@ -5266,7 +5426,11 @@
           </a:bodyPr>
           <a:lstStyle/>
           <a:p>
-            <a:endParaRPr lang="en-US" dirty="0" smtClean="0"/>
+            <a:r>
+              <a:rPr lang="" altLang="en-US" dirty="0" smtClean="0"/>
+              <a:t>Curently there is need of project in order to stay home and shop online medicine.</a:t>
+            </a:r>
+            <a:endParaRPr lang="" altLang="en-US" dirty="0" smtClean="0"/>
           </a:p>
         </p:txBody>
       </p:sp>
@@ -5322,14 +5486,7 @@
         <p:cNvGrpSpPr/>
         <p:nvPr/>
       </p:nvGrpSpPr>
-      <p:grpSpPr>
-        <a:xfrm>
-          <a:off x="0" y="0"/>
-          <a:ext cx="0" cy="0"/>
-          <a:chOff x="0" y="0"/>
-          <a:chExt cx="0" cy="0"/>
-        </a:xfrm>
-      </p:grpSpPr>
+      <p:grpSpPr/>
       <p:sp>
         <p:nvSpPr>
           <p:cNvPr id="2" name="Title 1"/>
@@ -5342,22 +5499,59 @@
         </p:nvSpPr>
         <p:spPr/>
         <p:txBody>
-          <a:bodyPr>
-            <a:normAutofit/>
-          </a:bodyPr>
-          <a:lstStyle/>
-          <a:p>
-            <a:r>
-              <a:rPr lang="en-US" dirty="0"/>
-              <a:t>Hardware &amp; software requirements</a:t>
-            </a:r>
-            <a:endParaRPr lang="en-US" dirty="0"/>
-          </a:p>
-        </p:txBody>
-      </p:sp>
-      <p:sp>
-        <p:nvSpPr>
-          <p:cNvPr id="4" name="Slide Number Placeholder 3"/>
+          <a:bodyPr/>
+          <a:p>
+            <a:r>
+              <a:rPr lang="" altLang="en-US"/>
+              <a:t>Scope of Project</a:t>
+            </a:r>
+            <a:endParaRPr lang="" altLang="en-US"/>
+          </a:p>
+        </p:txBody>
+      </p:sp>
+      <p:sp>
+        <p:nvSpPr>
+          <p:cNvPr id="3" name="Content Placeholder 2"/>
+          <p:cNvSpPr>
+            <a:spLocks noGrp="1"/>
+          </p:cNvSpPr>
+          <p:nvPr>
+            <p:ph sz="quarter" idx="1"/>
+          </p:nvPr>
+        </p:nvSpPr>
+        <p:spPr/>
+        <p:txBody>
+          <a:bodyPr/>
+          <a:p>
+            <a:endParaRPr lang="en-US"/>
+          </a:p>
+        </p:txBody>
+      </p:sp>
+      <p:sp>
+        <p:nvSpPr>
+          <p:cNvPr id="4" name="Footer Placeholder 3"/>
+          <p:cNvSpPr>
+            <a:spLocks noGrp="1"/>
+          </p:cNvSpPr>
+          <p:nvPr>
+            <p:ph type="ftr" sz="quarter" idx="11"/>
+          </p:nvPr>
+        </p:nvSpPr>
+        <p:spPr/>
+        <p:txBody>
+          <a:bodyPr/>
+          <a:p>
+            <a:r>
+              <a:rPr lang="en-US" smtClean="0"/>
+              <a:t>SFIT- IT department                     Project Title                                  </a:t>
+            </a:r>
+            <a:endParaRPr lang="en-US"/>
+          </a:p>
+        </p:txBody>
+      </p:sp>
+      <p:sp>
+        <p:nvSpPr>
+          <p:cNvPr id="5" name="Slide Number Placeholder 4"/>
           <p:cNvSpPr>
             <a:spLocks noGrp="1"/>
           </p:cNvSpPr>
@@ -5368,61 +5562,11 @@
         <p:spPr/>
         <p:txBody>
           <a:bodyPr/>
-          <a:lstStyle/>
           <a:p>
             <a:fld id="{CBBC6685-0B53-4B4E-AE18-5FC646DDFD4A}" type="slidenum">
               <a:rPr lang="en-US" smtClean="0"/>
             </a:fld>
             <a:endParaRPr lang="en-US"/>
-          </a:p>
-        </p:txBody>
-      </p:sp>
-      <p:sp>
-        <p:nvSpPr>
-          <p:cNvPr id="3" name="Content Placeholder 2"/>
-          <p:cNvSpPr>
-            <a:spLocks noGrp="1"/>
-          </p:cNvSpPr>
-          <p:nvPr>
-            <p:ph sz="quarter" idx="1"/>
-          </p:nvPr>
-        </p:nvSpPr>
-        <p:spPr/>
-        <p:txBody>
-          <a:bodyPr>
-            <a:normAutofit/>
-          </a:bodyPr>
-          <a:lstStyle/>
-          <a:p>
-            <a:endParaRPr lang="en-US" dirty="0" smtClean="0"/>
-          </a:p>
-        </p:txBody>
-      </p:sp>
-      <p:sp>
-        <p:nvSpPr>
-          <p:cNvPr id="7" name="Footer Placeholder 4"/>
-          <p:cNvSpPr>
-            <a:spLocks noGrp="1"/>
-          </p:cNvSpPr>
-          <p:nvPr>
-            <p:ph type="ftr" sz="quarter" idx="11"/>
-          </p:nvPr>
-        </p:nvSpPr>
-        <p:spPr>
-          <a:xfrm>
-            <a:off x="914400" y="6172200"/>
-            <a:ext cx="3962400" cy="457200"/>
-          </a:xfrm>
-        </p:spPr>
-        <p:txBody>
-          <a:bodyPr/>
-          <a:lstStyle/>
-          <a:p>
-            <a:r>
-              <a:rPr lang="en-US" dirty="0" smtClean="0"/>
-              <a:t>PGDAC, CDAC Mumbai 		Project Title                                  </a:t>
-            </a:r>
-            <a:endParaRPr lang="en-US" dirty="0"/>
           </a:p>
         </p:txBody>
       </p:sp>
@@ -5431,13 +5575,6 @@
   <p:clrMapOvr>
     <a:masterClrMapping/>
   </p:clrMapOvr>
-  <p:timing>
-    <p:tnLst>
-      <p:par>
-        <p:cTn id="1" dur="indefinite" restart="never" nodeType="tmRoot"/>
-      </p:par>
-    </p:tnLst>
-  </p:timing>
 </p:sld>
 </file>
 
@@ -5471,15 +5608,15 @@
         <p:spPr/>
         <p:txBody>
           <a:bodyPr>
-            <a:normAutofit fontScale="90000"/>
+            <a:normAutofit/>
           </a:bodyPr>
           <a:lstStyle/>
           <a:p>
             <a:r>
-              <a:rPr lang="en-US" dirty="0" smtClean="0"/>
-              <a:t>Timeline duration and expected deliverables</a:t>
-            </a:r>
-            <a:endParaRPr lang="en-IN" dirty="0"/>
+              <a:rPr lang="en-US" dirty="0"/>
+              <a:t>Hardware &amp; software requirements</a:t>
+            </a:r>
+            <a:endParaRPr lang="en-US" dirty="0"/>
           </a:p>
         </p:txBody>
       </p:sp>
@@ -5507,7 +5644,7 @@
       </p:sp>
       <p:sp>
         <p:nvSpPr>
-          <p:cNvPr id="5" name="Content Placeholder 4"/>
+          <p:cNvPr id="3" name="Content Placeholder 2"/>
           <p:cNvSpPr>
             <a:spLocks noGrp="1"/>
           </p:cNvSpPr>
@@ -5517,16 +5654,56 @@
         </p:nvSpPr>
         <p:spPr/>
         <p:txBody>
-          <a:bodyPr/>
-          <a:lstStyle/>
-          <a:p>
-            <a:endParaRPr lang="en-IN"/>
-          </a:p>
-        </p:txBody>
-      </p:sp>
-      <p:sp>
-        <p:nvSpPr>
-          <p:cNvPr id="6" name="Footer Placeholder 4"/>
+          <a:bodyPr>
+            <a:normAutofit/>
+          </a:bodyPr>
+          <a:lstStyle/>
+          <a:p>
+            <a:r>
+              <a:rPr lang="" altLang="en-US" dirty="0" smtClean="0"/>
+              <a:t>No Hardware </a:t>
+            </a:r>
+            <a:endParaRPr lang="" altLang="en-US" dirty="0" smtClean="0"/>
+          </a:p>
+          <a:p>
+            <a:r>
+              <a:rPr lang="" altLang="en-US" dirty="0" smtClean="0"/>
+              <a:t>Software Requirments</a:t>
+            </a:r>
+            <a:endParaRPr lang="" altLang="en-US" dirty="0" smtClean="0"/>
+          </a:p>
+          <a:p>
+            <a:r>
+              <a:rPr lang="" altLang="en-US" dirty="0" smtClean="0"/>
+              <a:t>Eclipse</a:t>
+            </a:r>
+            <a:endParaRPr lang="" altLang="en-US" dirty="0" smtClean="0"/>
+          </a:p>
+          <a:p>
+            <a:r>
+              <a:rPr lang="" altLang="en-US" dirty="0" smtClean="0"/>
+              <a:t>Vs code</a:t>
+            </a:r>
+            <a:endParaRPr lang="" altLang="en-US" dirty="0" smtClean="0"/>
+          </a:p>
+          <a:p>
+            <a:r>
+              <a:rPr lang="" altLang="en-US" dirty="0" smtClean="0"/>
+              <a:t>Mysql workbench</a:t>
+            </a:r>
+            <a:endParaRPr lang="" altLang="en-US" dirty="0" smtClean="0"/>
+          </a:p>
+          <a:p>
+            <a:endParaRPr lang="" altLang="en-US" dirty="0" smtClean="0"/>
+          </a:p>
+          <a:p>
+            <a:endParaRPr lang="" altLang="en-US" dirty="0" smtClean="0"/>
+          </a:p>
+        </p:txBody>
+      </p:sp>
+      <p:sp>
+        <p:nvSpPr>
+          <p:cNvPr id="7" name="Footer Placeholder 4"/>
           <p:cNvSpPr>
             <a:spLocks noGrp="1"/>
           </p:cNvSpPr>
@@ -5557,6 +5734,13 @@
   <p:clrMapOvr>
     <a:masterClrMapping/>
   </p:clrMapOvr>
+  <p:timing>
+    <p:tnLst>
+      <p:par>
+        <p:cTn id="1" dur="indefinite" restart="never" nodeType="tmRoot"/>
+      </p:par>
+    </p:tnLst>
+  </p:timing>
 </p:sld>
 </file>
 
@@ -5590,44 +5774,15 @@
         <p:spPr/>
         <p:txBody>
           <a:bodyPr>
-            <a:normAutofit/>
+            <a:normAutofit fontScale="90000"/>
           </a:bodyPr>
           <a:lstStyle/>
           <a:p>
             <a:r>
               <a:rPr lang="en-US" dirty="0" smtClean="0"/>
-              <a:t>Questions??</a:t>
-            </a:r>
-            <a:endParaRPr lang="en-US" dirty="0"/>
-          </a:p>
-        </p:txBody>
-      </p:sp>
-      <p:sp>
-        <p:nvSpPr>
-          <p:cNvPr id="5" name="Text Placeholder 4"/>
-          <p:cNvSpPr>
-            <a:spLocks noGrp="1"/>
-          </p:cNvSpPr>
-          <p:nvPr>
-            <p:ph type="body" idx="1"/>
-          </p:nvPr>
-        </p:nvSpPr>
-        <p:spPr/>
-        <p:txBody>
-          <a:bodyPr>
-            <a:normAutofit/>
-          </a:bodyPr>
-          <a:lstStyle/>
-          <a:p>
-            <a:r>
-              <a:rPr lang="en-US" sz="5400" b="1" dirty="0" smtClean="0">
-                <a:latin typeface="+mj-lt"/>
-              </a:rPr>
-              <a:t>Thank You!</a:t>
-            </a:r>
-            <a:endParaRPr lang="en-US" sz="5400" b="1" dirty="0">
-              <a:latin typeface="+mj-lt"/>
-            </a:endParaRPr>
+              <a:t>Timeline duration and expected deliverables</a:t>
+            </a:r>
+            <a:endParaRPr lang="en-IN" dirty="0"/>
           </a:p>
         </p:txBody>
       </p:sp>
@@ -5650,6 +5805,63 @@
               <a:rPr lang="en-US" smtClean="0"/>
             </a:fld>
             <a:endParaRPr lang="en-US"/>
+          </a:p>
+        </p:txBody>
+      </p:sp>
+      <p:sp>
+        <p:nvSpPr>
+          <p:cNvPr id="5" name="Content Placeholder 4"/>
+          <p:cNvSpPr>
+            <a:spLocks noGrp="1"/>
+          </p:cNvSpPr>
+          <p:nvPr>
+            <p:ph sz="quarter" idx="1"/>
+          </p:nvPr>
+        </p:nvSpPr>
+        <p:spPr/>
+        <p:txBody>
+          <a:bodyPr/>
+          <a:lstStyle/>
+          <a:p>
+            <a:r>
+              <a:rPr lang="" altLang="en-IN"/>
+              <a:t>Total 15-20 days needed</a:t>
+            </a:r>
+            <a:endParaRPr lang="" altLang="en-IN"/>
+          </a:p>
+          <a:p>
+            <a:r>
+              <a:rPr lang="" altLang="en-IN"/>
+              <a:t>1 -3 Databse(ER diagram,Tables) </a:t>
+            </a:r>
+            <a:endParaRPr lang="" altLang="en-IN"/>
+          </a:p>
+          <a:p>
+            <a:r>
+              <a:rPr lang="" altLang="en-IN"/>
+              <a:t>4 to 6 front end</a:t>
+            </a:r>
+            <a:endParaRPr lang="" altLang="en-IN"/>
+          </a:p>
+          <a:p>
+            <a:r>
+              <a:rPr lang="" altLang="en-IN"/>
+              <a:t>6 to 10 back end</a:t>
+            </a:r>
+            <a:endParaRPr lang="" altLang="en-IN"/>
+          </a:p>
+          <a:p>
+            <a:r>
+              <a:rPr lang="en-US" altLang="en-IN">
+                <a:sym typeface="+mn-ea"/>
+              </a:rPr>
+              <a:t>2 -3   </a:t>
+            </a:r>
+            <a:r>
+              <a:rPr lang="" altLang="en-IN"/>
+              <a:t>Integration  </a:t>
+            </a:r>
+            <a:endParaRPr lang="" altLang="en-IN"/>
           </a:p>
         </p:txBody>
       </p:sp>
@@ -5686,13 +5898,6 @@
   <p:clrMapOvr>
     <a:masterClrMapping/>
   </p:clrMapOvr>
-  <p:timing>
-    <p:tnLst>
-      <p:par>
-        <p:cTn id="1" dur="indefinite" restart="never" nodeType="tmRoot"/>
-      </p:par>
-    </p:tnLst>
-  </p:timing>
 </p:sld>
 </file>
 

--- a/Synopsis_ppt_template.pptx
+++ b/Synopsis_ppt_template.pptx
@@ -4806,7 +4806,7 @@
               <a:t>Laukik </a:t>
             </a:r>
             <a:r>
-              <a:rPr lang="" altLang="en-US"/>
+              <a:rPr lang="en-US" altLang="en-US"/>
               <a:t>Chaure</a:t>
             </a:r>
             <a:endParaRPr lang="en-US" altLang="en-IN"/>
@@ -4831,10 +4831,10 @@
               <a:t>Prathamesh </a:t>
             </a:r>
             <a:r>
-              <a:rPr lang="" altLang="en-US"/>
+              <a:rPr lang="en-US" altLang="en-US"/>
               <a:t>Kesare</a:t>
             </a:r>
-            <a:endParaRPr lang="" altLang="en-US"/>
+            <a:endParaRPr lang="en-US" altLang="en-US"/>
           </a:p>
         </p:txBody>
       </p:sp>
@@ -5112,12 +5112,36 @@
               <a:rPr lang="en-US" dirty="0" smtClean="0"/>
               <a:t>Pharmacy - Buy medicines online</a:t>
             </a:r>
+            <a:r>
+              <a:rPr lang="" altLang="en-US" dirty="0" smtClean="0"/>
+              <a:t>.</a:t>
+            </a:r>
             <a:endParaRPr lang="en-US" dirty="0" smtClean="0"/>
           </a:p>
           <a:p>
             <a:r>
               <a:rPr lang="en-US" dirty="0" smtClean="0"/>
-              <a:t>Medlife Labs -Book free collection of samples from home for laboratory tests</a:t>
+              <a:t>Medlife Labs -</a:t>
+            </a:r>
+            <a:r>
+              <a:rPr lang="" altLang="en-US" dirty="0" smtClean="0"/>
+              <a:t>Take an appointment</a:t>
+            </a:r>
+            <a:r>
+              <a:rPr lang="en-US" dirty="0" smtClean="0"/>
+              <a:t> </a:t>
+            </a:r>
+            <a:r>
+              <a:rPr lang="" altLang="en-US" dirty="0" smtClean="0"/>
+              <a:t>with the clinic</a:t>
+            </a:r>
+            <a:r>
+              <a:rPr lang="en-US" dirty="0" smtClean="0"/>
+              <a:t> from home for laboratory tests</a:t>
+            </a:r>
+            <a:r>
+              <a:rPr lang="" altLang="en-US" dirty="0" smtClean="0"/>
+              <a:t>.</a:t>
             </a:r>
             <a:endParaRPr lang="en-US" dirty="0" smtClean="0"/>
           </a:p>
@@ -5126,12 +5150,24 @@
               <a:rPr lang="en-US" dirty="0" smtClean="0"/>
               <a:t>Doctor Consultation - Consult a doctor from the comfort of your home</a:t>
             </a:r>
+            <a:r>
+              <a:rPr lang="" altLang="en-US" dirty="0" smtClean="0"/>
+              <a:t>.</a:t>
+            </a:r>
             <a:endParaRPr lang="en-US" dirty="0" smtClean="0"/>
           </a:p>
           <a:p>
             <a:r>
+              <a:rPr lang="" altLang="en-US" dirty="0" smtClean="0"/>
+              <a:t>Without prescription (Over The Counter)</a:t>
+            </a:r>
+            <a:r>
               <a:rPr lang="en-US" dirty="0" smtClean="0"/>
-              <a:t>OTC - Order healthcare and wellness products</a:t>
+              <a:t>Order healthcare and wellness products</a:t>
+            </a:r>
+            <a:r>
+              <a:rPr lang="" altLang="en-US" dirty="0" smtClean="0"/>
+              <a:t>.</a:t>
             </a:r>
             <a:endParaRPr lang="en-US" dirty="0" smtClean="0"/>
           </a:p>
@@ -5140,7 +5176,11 @@
               <a:rPr lang="en-US" dirty="0" smtClean="0"/>
               <a:t>Medlife Essentials - Get herbal supplements and varied range of accessories</a:t>
             </a:r>
-            <a:endParaRPr lang="en-US" dirty="0" smtClean="0"/>
+            <a:r>
+              <a:rPr lang="" altLang="en-US" dirty="0" smtClean="0"/>
+              <a:t>.</a:t>
+            </a:r>
+            <a:endParaRPr lang="" altLang="en-US" dirty="0" smtClean="0"/>
           </a:p>
         </p:txBody>
       </p:sp>
@@ -5268,37 +5308,56 @@
         <p:spPr/>
         <p:txBody>
           <a:bodyPr>
-            <a:normAutofit/>
+            <a:normAutofit fontScale="90000" lnSpcReduction="20000"/>
           </a:bodyPr>
           <a:lstStyle/>
           <a:p>
             <a:r>
+              <a:rPr lang="" altLang="en-US" dirty="0" smtClean="0"/>
+              <a:t>It is difficult to find medicine.</a:t>
+            </a:r>
+            <a:endParaRPr lang="" altLang="en-US" dirty="0" smtClean="0"/>
+          </a:p>
+          <a:p>
+            <a:endParaRPr lang="" altLang="en-US" dirty="0" smtClean="0"/>
+          </a:p>
+          <a:p>
+            <a:endParaRPr lang="" altLang="en-US" dirty="0" smtClean="0"/>
+          </a:p>
+          <a:p>
+            <a:endParaRPr lang="" altLang="en-US" dirty="0" smtClean="0"/>
+          </a:p>
+          <a:p>
+            <a:endParaRPr lang="" altLang="en-US" dirty="0" smtClean="0"/>
+          </a:p>
+          <a:p>
+            <a:r>
+              <a:rPr lang="" altLang="en-US" dirty="0" smtClean="0"/>
+              <a:t> </a:t>
+            </a:r>
+            <a:r>
               <a:rPr lang="en-US" altLang="en-US" dirty="0" smtClean="0"/>
-              <a:t> This will save you from the burden of waiting in long queues, riding to a medical store or visiting a doctor.</a:t>
+              <a:t>This will save you from the burden of waiting in long queues, riding to a medical store or visiting a doctor.</a:t>
             </a:r>
             <a:endParaRPr lang="en-US" altLang="en-US" dirty="0" smtClean="0"/>
           </a:p>
           <a:p>
             <a:r>
               <a:rPr lang="en-US" altLang="en-US" dirty="0" smtClean="0"/>
-              <a:t>You can order online medicines and wellness products, book online doctor consultation and </a:t>
+              <a:t>You can order online medicines and wellness products, book online doctor consultation</a:t>
+            </a:r>
+            <a:r>
+              <a:rPr lang="" altLang="en-US" dirty="0" smtClean="0"/>
+              <a:t>.</a:t>
             </a:r>
             <a:endParaRPr lang="en-US" altLang="en-US" dirty="0" smtClean="0"/>
           </a:p>
           <a:p>
             <a:r>
-              <a:rPr lang="" altLang="en-US" dirty="0" smtClean="0"/>
-              <a:t>you can book </a:t>
-            </a:r>
-            <a:r>
               <a:rPr lang="en-US" altLang="en-US" dirty="0" smtClean="0"/>
-              <a:t>lab tests too for which sample is collected at your home/office</a:t>
-            </a:r>
-            <a:r>
-              <a:rPr lang="" altLang="en-US" dirty="0" smtClean="0"/>
-              <a:t>. it will save your time appoitment will be pre-booked. </a:t>
-            </a:r>
-            <a:endParaRPr lang="" altLang="en-US" dirty="0" smtClean="0"/>
+              <a:t>you can book lab tests too for which sample is collected at your home/office. it will save your time appoitment will be pre-booked. </a:t>
+            </a:r>
+            <a:endParaRPr lang="en-US" altLang="en-US" dirty="0" smtClean="0"/>
           </a:p>
         </p:txBody>
       </p:sp>
@@ -5427,10 +5486,10 @@
           <a:lstStyle/>
           <a:p>
             <a:r>
-              <a:rPr lang="" altLang="en-US" dirty="0" smtClean="0"/>
+              <a:rPr lang="en-US" altLang="en-US" dirty="0" smtClean="0"/>
               <a:t>Curently there is need of project in order to stay home and shop online medicine.</a:t>
             </a:r>
-            <a:endParaRPr lang="" altLang="en-US" dirty="0" smtClean="0"/>
+            <a:endParaRPr lang="en-US" altLang="en-US" dirty="0" smtClean="0"/>
           </a:p>
         </p:txBody>
       </p:sp>
@@ -5502,10 +5561,10 @@
           <a:bodyPr/>
           <a:p>
             <a:r>
-              <a:rPr lang="" altLang="en-US"/>
+              <a:rPr lang="en-US" altLang="en-US"/>
               <a:t>Scope of Project</a:t>
             </a:r>
-            <a:endParaRPr lang="" altLang="en-US"/>
+            <a:endParaRPr lang="en-US" altLang="en-US"/>
           </a:p>
         </p:txBody>
       </p:sp>
@@ -5605,7 +5664,12 @@
             <p:ph type="title"/>
           </p:nvPr>
         </p:nvSpPr>
-        <p:spPr/>
+        <p:spPr>
+          <a:xfrm>
+            <a:off x="914400" y="274638"/>
+            <a:ext cx="7772400" cy="1143000"/>
+          </a:xfrm>
+        </p:spPr>
         <p:txBody>
           <a:bodyPr>
             <a:normAutofit/>
@@ -5659,45 +5723,37 @@
           </a:bodyPr>
           <a:lstStyle/>
           <a:p>
-            <a:r>
-              <a:rPr lang="" altLang="en-US" dirty="0" smtClean="0"/>
-              <a:t>No Hardware </a:t>
-            </a:r>
-            <a:endParaRPr lang="" altLang="en-US" dirty="0" smtClean="0"/>
-          </a:p>
-          <a:p>
-            <a:r>
-              <a:rPr lang="" altLang="en-US" dirty="0" smtClean="0"/>
-              <a:t>Software Requirments</a:t>
-            </a:r>
-            <a:endParaRPr lang="" altLang="en-US" dirty="0" smtClean="0"/>
-          </a:p>
-          <a:p>
-            <a:r>
-              <a:rPr lang="" altLang="en-US" dirty="0" smtClean="0"/>
+            <a:pPr marL="0" indent="0">
+              <a:buNone/>
+            </a:pPr>
+            <a:endParaRPr lang="en-US" altLang="en-US" dirty="0" smtClean="0"/>
+          </a:p>
+          <a:p>
+            <a:r>
+              <a:rPr lang="en-US" altLang="en-US" dirty="0" smtClean="0"/>
               <a:t>Eclipse</a:t>
             </a:r>
-            <a:endParaRPr lang="" altLang="en-US" dirty="0" smtClean="0"/>
-          </a:p>
-          <a:p>
-            <a:r>
-              <a:rPr lang="" altLang="en-US" dirty="0" smtClean="0"/>
+            <a:endParaRPr lang="en-US" altLang="en-US" dirty="0" smtClean="0"/>
+          </a:p>
+          <a:p>
+            <a:r>
+              <a:rPr lang="en-US" altLang="en-US" dirty="0" smtClean="0"/>
               <a:t>Vs code</a:t>
             </a:r>
-            <a:endParaRPr lang="" altLang="en-US" dirty="0" smtClean="0"/>
-          </a:p>
-          <a:p>
-            <a:r>
-              <a:rPr lang="" altLang="en-US" dirty="0" smtClean="0"/>
+            <a:endParaRPr lang="en-US" altLang="en-US" dirty="0" smtClean="0"/>
+          </a:p>
+          <a:p>
+            <a:r>
+              <a:rPr lang="en-US" altLang="en-US" dirty="0" smtClean="0"/>
               <a:t>Mysql workbench</a:t>
             </a:r>
-            <a:endParaRPr lang="" altLang="en-US" dirty="0" smtClean="0"/>
-          </a:p>
-          <a:p>
-            <a:endParaRPr lang="" altLang="en-US" dirty="0" smtClean="0"/>
-          </a:p>
-          <a:p>
-            <a:endParaRPr lang="" altLang="en-US" dirty="0" smtClean="0"/>
+            <a:endParaRPr lang="en-US" altLang="en-US" dirty="0" smtClean="0"/>
+          </a:p>
+          <a:p>
+            <a:endParaRPr lang="en-US" altLang="en-US" dirty="0" smtClean="0"/>
+          </a:p>
+          <a:p>
+            <a:endParaRPr lang="en-US" altLang="en-US" dirty="0" smtClean="0"/>
           </a:p>
         </p:txBody>
       </p:sp>
@@ -5824,44 +5880,76 @@
           <a:lstStyle/>
           <a:p>
             <a:r>
-              <a:rPr lang="" altLang="en-IN"/>
+              <a:rPr lang="en-US" altLang="en-IN"/>
               <a:t>Total 15-20 days needed</a:t>
             </a:r>
-            <a:endParaRPr lang="" altLang="en-IN"/>
-          </a:p>
-          <a:p>
-            <a:r>
-              <a:rPr lang="" altLang="en-IN"/>
-              <a:t>1 -3 Databse(ER diagram,Tables) </a:t>
-            </a:r>
-            <a:endParaRPr lang="" altLang="en-IN"/>
-          </a:p>
-          <a:p>
-            <a:r>
-              <a:rPr lang="" altLang="en-IN"/>
+            <a:endParaRPr lang="en-US" altLang="en-IN"/>
+          </a:p>
+          <a:p>
+            <a:r>
+              <a:rPr lang="en-US" altLang="en-IN"/>
+              <a:t>1 </a:t>
+            </a:r>
+            <a:r>
+              <a:rPr lang="" altLang="en-US"/>
+              <a:t>to </a:t>
+            </a:r>
+            <a:r>
+              <a:rPr lang="en-US" altLang="en-IN"/>
+              <a:t>3 Datab</a:t>
+            </a:r>
+            <a:r>
+              <a:rPr lang="" altLang="en-US"/>
+              <a:t>a</a:t>
+            </a:r>
+            <a:r>
+              <a:rPr lang="en-US" altLang="en-IN"/>
+              <a:t>se(ER diagram,Tables) </a:t>
+            </a:r>
+            <a:endParaRPr lang="en-US" altLang="en-IN"/>
+          </a:p>
+          <a:p>
+            <a:r>
+              <a:rPr lang="en-US" altLang="en-IN"/>
               <a:t>4 to 6 front end</a:t>
             </a:r>
-            <a:endParaRPr lang="" altLang="en-IN"/>
-          </a:p>
-          <a:p>
-            <a:r>
-              <a:rPr lang="" altLang="en-IN"/>
+            <a:r>
+              <a:rPr lang="" altLang="en-US"/>
+              <a:t>(user,Admin)</a:t>
+            </a:r>
+            <a:endParaRPr lang="en-US" altLang="en-IN"/>
+          </a:p>
+          <a:p>
+            <a:r>
+              <a:rPr lang="en-US" altLang="en-IN"/>
               <a:t>6 to 10 back end</a:t>
             </a:r>
-            <a:endParaRPr lang="" altLang="en-IN"/>
+            <a:endParaRPr lang="en-US" altLang="en-IN"/>
           </a:p>
           <a:p>
             <a:r>
               <a:rPr lang="en-US" altLang="en-IN">
                 <a:sym typeface="+mn-ea"/>
               </a:rPr>
-              <a:t>2 -3   </a:t>
-            </a:r>
-            <a:r>
-              <a:rPr lang="" altLang="en-IN"/>
+              <a:t>2 </a:t>
+            </a:r>
+            <a:r>
+              <a:rPr lang="" altLang="en-US">
+                <a:sym typeface="+mn-ea"/>
+              </a:rPr>
+              <a:t>to </a:t>
+            </a:r>
+            <a:r>
+              <a:rPr lang="en-US" altLang="en-IN">
+                <a:sym typeface="+mn-ea"/>
+              </a:rPr>
+              <a:t>3   </a:t>
+            </a:r>
+            <a:r>
+              <a:rPr lang="en-US" altLang="en-IN"/>
               <a:t>Integration  </a:t>
             </a:r>
-            <a:endParaRPr lang="" altLang="en-IN"/>
+            <a:endParaRPr lang="en-US" altLang="en-IN"/>
           </a:p>
         </p:txBody>
       </p:sp>
